--- a/study-note/자바/2022-08-29 내용정리.pptx
+++ b/study-note/자바/2022-08-29 내용정리.pptx
@@ -5769,6 +5769,518 @@
           <a:chExt cx="0" cy="0"/>
         </a:xfrm>
       </p:grpSpPr>
+      <p:graphicFrame>
+        <p:nvGraphicFramePr>
+          <p:cNvPr id="2" name="표 2">
+            <a:extLst>
+              <a:ext uri="{FF2B5EF4-FFF2-40B4-BE49-F238E27FC236}">
+                <a16:creationId xmlns:a16="http://schemas.microsoft.com/office/drawing/2014/main" id="{8F753184-2F84-7A9E-E509-F2C5394F3531}"/>
+              </a:ext>
+            </a:extLst>
+          </p:cNvPr>
+          <p:cNvGraphicFramePr>
+            <a:graphicFrameLocks noGrp="1"/>
+          </p:cNvGraphicFramePr>
+          <p:nvPr>
+            <p:extLst>
+              <p:ext uri="{D42A27DB-BD31-4B8C-83A1-F6EECF244321}">
+                <p14:modId xmlns:p14="http://schemas.microsoft.com/office/powerpoint/2010/main" val="4236355001"/>
+              </p:ext>
+            </p:extLst>
+          </p:nvPr>
+        </p:nvGraphicFramePr>
+        <p:xfrm>
+          <a:off x="2200940" y="2498927"/>
+          <a:ext cx="5869172" cy="1112520"/>
+        </p:xfrm>
+        <a:graphic>
+          <a:graphicData uri="http://schemas.openxmlformats.org/drawingml/2006/table">
+            <a:tbl>
+              <a:tblPr firstRow="1" bandRow="1">
+                <a:tableStyleId>{5C22544A-7EE6-4342-B048-85BDC9FD1C3A}</a:tableStyleId>
+              </a:tblPr>
+              <a:tblGrid>
+                <a:gridCol w="2934586">
+                  <a:extLst>
+                    <a:ext uri="{9D8B030D-6E8A-4147-A177-3AD203B41FA5}">
+                      <a16:colId xmlns:a16="http://schemas.microsoft.com/office/drawing/2014/main" val="3230867754"/>
+                    </a:ext>
+                  </a:extLst>
+                </a:gridCol>
+                <a:gridCol w="2934586">
+                  <a:extLst>
+                    <a:ext uri="{9D8B030D-6E8A-4147-A177-3AD203B41FA5}">
+                      <a16:colId xmlns:a16="http://schemas.microsoft.com/office/drawing/2014/main" val="3129258856"/>
+                    </a:ext>
+                  </a:extLst>
+                </a:gridCol>
+              </a:tblGrid>
+              <a:tr h="370840">
+                <a:tc>
+                  <a:txBody>
+                    <a:bodyPr/>
+                    <a:lstStyle/>
+                    <a:p>
+                      <a:pPr algn="ctr"/>
+                      <a:r>
+                        <a:rPr lang="en-US" altLang="ko-Kore-KR" dirty="0"/>
+                        <a:t>No</a:t>
+                      </a:r>
+                      <a:endParaRPr lang="ko-Kore-KR" altLang="en-US" dirty="0"/>
+                    </a:p>
+                  </a:txBody>
+                  <a:tcPr/>
+                </a:tc>
+                <a:tc>
+                  <a:txBody>
+                    <a:bodyPr/>
+                    <a:lstStyle/>
+                    <a:p>
+                      <a:pPr algn="ctr"/>
+                      <a:r>
+                        <a:rPr lang="en-US" altLang="ko-Kore-KR" dirty="0"/>
+                        <a:t>Name</a:t>
+                      </a:r>
+                      <a:endParaRPr lang="ko-Kore-KR" altLang="en-US" dirty="0"/>
+                    </a:p>
+                  </a:txBody>
+                  <a:tcPr/>
+                </a:tc>
+                <a:extLst>
+                  <a:ext uri="{0D108BD9-81ED-4DB2-BD59-A6C34878D82A}">
+                    <a16:rowId xmlns:a16="http://schemas.microsoft.com/office/drawing/2014/main" val="967060982"/>
+                  </a:ext>
+                </a:extLst>
+              </a:tr>
+              <a:tr h="370840">
+                <a:tc>
+                  <a:txBody>
+                    <a:bodyPr/>
+                    <a:lstStyle/>
+                    <a:p>
+                      <a:pPr algn="ctr"/>
+                      <a:r>
+                        <a:rPr lang="en-US" altLang="ko-Kore-KR" dirty="0"/>
+                        <a:t>1</a:t>
+                      </a:r>
+                      <a:endParaRPr lang="ko-Kore-KR" altLang="en-US" dirty="0"/>
+                    </a:p>
+                  </a:txBody>
+                  <a:tcPr/>
+                </a:tc>
+                <a:tc>
+                  <a:txBody>
+                    <a:bodyPr/>
+                    <a:lstStyle/>
+                    <a:p>
+                      <a:pPr algn="ctr"/>
+                      <a:r>
+                        <a:rPr lang="en-US" altLang="ko-KR" dirty="0"/>
+                        <a:t>‘</a:t>
+                      </a:r>
+                      <a:r>
+                        <a:rPr lang="ko-KR" altLang="en-US" dirty="0"/>
+                        <a:t>홍길동</a:t>
+                      </a:r>
+                      <a:r>
+                        <a:rPr lang="en-US" altLang="ko-KR" dirty="0"/>
+                        <a:t>’</a:t>
+                      </a:r>
+                      <a:endParaRPr lang="ko-Kore-KR" altLang="en-US" dirty="0"/>
+                    </a:p>
+                  </a:txBody>
+                  <a:tcPr/>
+                </a:tc>
+                <a:extLst>
+                  <a:ext uri="{0D108BD9-81ED-4DB2-BD59-A6C34878D82A}">
+                    <a16:rowId xmlns:a16="http://schemas.microsoft.com/office/drawing/2014/main" val="3446249755"/>
+                  </a:ext>
+                </a:extLst>
+              </a:tr>
+              <a:tr h="370840">
+                <a:tc>
+                  <a:txBody>
+                    <a:bodyPr/>
+                    <a:lstStyle/>
+                    <a:p>
+                      <a:pPr algn="ctr"/>
+                      <a:r>
+                        <a:rPr lang="en-US" altLang="ko-Kore-KR" dirty="0"/>
+                        <a:t>2</a:t>
+                      </a:r>
+                      <a:endParaRPr lang="ko-Kore-KR" altLang="en-US" dirty="0"/>
+                    </a:p>
+                  </a:txBody>
+                  <a:tcPr/>
+                </a:tc>
+                <a:tc>
+                  <a:txBody>
+                    <a:bodyPr/>
+                    <a:lstStyle/>
+                    <a:p>
+                      <a:pPr algn="ctr"/>
+                      <a:r>
+                        <a:rPr lang="en-US" altLang="ko-Kore-KR" dirty="0"/>
+                        <a:t>‘</a:t>
+                      </a:r>
+                      <a:r>
+                        <a:rPr lang="ko-KR" altLang="en-US" dirty="0"/>
+                        <a:t>유관순</a:t>
+                      </a:r>
+                      <a:r>
+                        <a:rPr lang="en-US" altLang="ko-KR" dirty="0"/>
+                        <a:t>’</a:t>
+                      </a:r>
+                      <a:endParaRPr lang="ko-Kore-KR" altLang="en-US" dirty="0"/>
+                    </a:p>
+                  </a:txBody>
+                  <a:tcPr/>
+                </a:tc>
+                <a:extLst>
+                  <a:ext uri="{0D108BD9-81ED-4DB2-BD59-A6C34878D82A}">
+                    <a16:rowId xmlns:a16="http://schemas.microsoft.com/office/drawing/2014/main" val="3600139483"/>
+                  </a:ext>
+                </a:extLst>
+              </a:tr>
+            </a:tbl>
+          </a:graphicData>
+        </a:graphic>
+      </p:graphicFrame>
+      <p:sp>
+        <p:nvSpPr>
+          <p:cNvPr id="3" name="직사각형 2">
+            <a:extLst>
+              <a:ext uri="{FF2B5EF4-FFF2-40B4-BE49-F238E27FC236}">
+                <a16:creationId xmlns:a16="http://schemas.microsoft.com/office/drawing/2014/main" id="{8BFC3CB7-1608-0258-0D9F-040295D89070}"/>
+              </a:ext>
+            </a:extLst>
+          </p:cNvPr>
+          <p:cNvSpPr/>
+          <p:nvPr/>
+        </p:nvSpPr>
+        <p:spPr>
+          <a:xfrm>
+            <a:off x="2062717" y="2449248"/>
+            <a:ext cx="3211031" cy="1257754"/>
+          </a:xfrm>
+          <a:prstGeom prst="rect">
+            <a:avLst/>
+          </a:prstGeom>
+          <a:noFill/>
+          <a:ln w="41275">
+            <a:solidFill>
+              <a:srgbClr val="FF00A8"/>
+            </a:solidFill>
+          </a:ln>
+        </p:spPr>
+        <p:style>
+          <a:lnRef idx="2">
+            <a:schemeClr val="accent1">
+              <a:shade val="50000"/>
+            </a:schemeClr>
+          </a:lnRef>
+          <a:fillRef idx="1">
+            <a:schemeClr val="accent1"/>
+          </a:fillRef>
+          <a:effectRef idx="0">
+            <a:schemeClr val="accent1"/>
+          </a:effectRef>
+          <a:fontRef idx="minor">
+            <a:schemeClr val="lt1"/>
+          </a:fontRef>
+        </p:style>
+        <p:txBody>
+          <a:bodyPr rtlCol="0" anchor="ctr"/>
+          <a:lstStyle/>
+          <a:p>
+            <a:pPr algn="ctr"/>
+            <a:endParaRPr kumimoji="1" lang="ko-Kore-KR" altLang="en-US"/>
+          </a:p>
+        </p:txBody>
+      </p:sp>
+      <p:sp>
+        <p:nvSpPr>
+          <p:cNvPr id="4" name="TextBox 3">
+            <a:extLst>
+              <a:ext uri="{FF2B5EF4-FFF2-40B4-BE49-F238E27FC236}">
+                <a16:creationId xmlns:a16="http://schemas.microsoft.com/office/drawing/2014/main" id="{7B085097-F96C-C762-5E55-CFACFDE13625}"/>
+              </a:ext>
+            </a:extLst>
+          </p:cNvPr>
+          <p:cNvSpPr txBox="1"/>
+          <p:nvPr/>
+        </p:nvSpPr>
+        <p:spPr>
+          <a:xfrm>
+            <a:off x="915284" y="1996971"/>
+            <a:ext cx="2952000" cy="276999"/>
+          </a:xfrm>
+          <a:prstGeom prst="rect">
+            <a:avLst/>
+          </a:prstGeom>
+          <a:ln w="34925">
+            <a:solidFill>
+              <a:srgbClr val="FF00A8"/>
+            </a:solidFill>
+          </a:ln>
+        </p:spPr>
+        <p:style>
+          <a:lnRef idx="2">
+            <a:schemeClr val="accent5"/>
+          </a:lnRef>
+          <a:fillRef idx="1">
+            <a:schemeClr val="lt1"/>
+          </a:fillRef>
+          <a:effectRef idx="0">
+            <a:schemeClr val="accent5"/>
+          </a:effectRef>
+          <a:fontRef idx="minor">
+            <a:schemeClr val="dk1"/>
+          </a:fontRef>
+        </p:style>
+        <p:txBody>
+          <a:bodyPr wrap="square" rtlCol="0">
+            <a:spAutoFit/>
+          </a:bodyPr>
+          <a:lstStyle/>
+          <a:p>
+            <a:pPr algn="ctr"/>
+            <a:r>
+              <a:rPr kumimoji="1" lang="en-US" altLang="ko-Kore-KR" sz="1200" dirty="0"/>
+              <a:t>Column = “</a:t>
+            </a:r>
+            <a:r>
+              <a:rPr kumimoji="1" lang="en-US" altLang="ko-Kore-KR" sz="1200" dirty="0" err="1"/>
+              <a:t>arrtibute</a:t>
+            </a:r>
+            <a:r>
+              <a:rPr kumimoji="1" lang="en-US" altLang="ko-Kore-KR" sz="1200" dirty="0"/>
+              <a:t>＂</a:t>
+            </a:r>
+            <a:endParaRPr kumimoji="1" lang="ko-Kore-KR" altLang="en-US" sz="1200" dirty="0"/>
+          </a:p>
+        </p:txBody>
+      </p:sp>
+      <p:sp>
+        <p:nvSpPr>
+          <p:cNvPr id="12" name="직사각형 11">
+            <a:extLst>
+              <a:ext uri="{FF2B5EF4-FFF2-40B4-BE49-F238E27FC236}">
+                <a16:creationId xmlns:a16="http://schemas.microsoft.com/office/drawing/2014/main" id="{D46ADA21-03A9-CC4B-96CA-47E75447AFF6}"/>
+              </a:ext>
+            </a:extLst>
+          </p:cNvPr>
+          <p:cNvSpPr/>
+          <p:nvPr/>
+        </p:nvSpPr>
+        <p:spPr>
+          <a:xfrm>
+            <a:off x="2200940" y="3246553"/>
+            <a:ext cx="5869172" cy="364893"/>
+          </a:xfrm>
+          <a:prstGeom prst="rect">
+            <a:avLst/>
+          </a:prstGeom>
+          <a:noFill/>
+          <a:ln w="41275">
+            <a:solidFill>
+              <a:srgbClr val="4F94FF"/>
+            </a:solidFill>
+          </a:ln>
+        </p:spPr>
+        <p:style>
+          <a:lnRef idx="2">
+            <a:schemeClr val="accent1">
+              <a:shade val="50000"/>
+            </a:schemeClr>
+          </a:lnRef>
+          <a:fillRef idx="1">
+            <a:schemeClr val="accent1"/>
+          </a:fillRef>
+          <a:effectRef idx="0">
+            <a:schemeClr val="accent1"/>
+          </a:effectRef>
+          <a:fontRef idx="minor">
+            <a:schemeClr val="lt1"/>
+          </a:fontRef>
+        </p:style>
+        <p:txBody>
+          <a:bodyPr rtlCol="0" anchor="ctr"/>
+          <a:lstStyle/>
+          <a:p>
+            <a:pPr algn="ctr"/>
+            <a:endParaRPr kumimoji="1" lang="ko-Kore-KR" altLang="en-US"/>
+          </a:p>
+        </p:txBody>
+      </p:sp>
+      <p:sp>
+        <p:nvSpPr>
+          <p:cNvPr id="14" name="직사각형 13">
+            <a:extLst>
+              <a:ext uri="{FF2B5EF4-FFF2-40B4-BE49-F238E27FC236}">
+                <a16:creationId xmlns:a16="http://schemas.microsoft.com/office/drawing/2014/main" id="{A9AF8E69-B002-866F-3766-9A87C0CF6BD5}"/>
+              </a:ext>
+            </a:extLst>
+          </p:cNvPr>
+          <p:cNvSpPr/>
+          <p:nvPr/>
+        </p:nvSpPr>
+        <p:spPr>
+          <a:xfrm>
+            <a:off x="1919177" y="2369525"/>
+            <a:ext cx="6432698" cy="1371324"/>
+          </a:xfrm>
+          <a:prstGeom prst="rect">
+            <a:avLst/>
+          </a:prstGeom>
+          <a:noFill/>
+          <a:ln w="41275">
+            <a:solidFill>
+              <a:schemeClr val="accent6">
+                <a:lumMod val="40000"/>
+                <a:lumOff val="60000"/>
+              </a:schemeClr>
+            </a:solidFill>
+          </a:ln>
+        </p:spPr>
+        <p:style>
+          <a:lnRef idx="2">
+            <a:schemeClr val="accent1">
+              <a:shade val="50000"/>
+            </a:schemeClr>
+          </a:lnRef>
+          <a:fillRef idx="1">
+            <a:schemeClr val="accent1"/>
+          </a:fillRef>
+          <a:effectRef idx="0">
+            <a:schemeClr val="accent1"/>
+          </a:effectRef>
+          <a:fontRef idx="minor">
+            <a:schemeClr val="lt1"/>
+          </a:fontRef>
+        </p:style>
+        <p:txBody>
+          <a:bodyPr rtlCol="0" anchor="ctr"/>
+          <a:lstStyle/>
+          <a:p>
+            <a:pPr algn="ctr"/>
+            <a:endParaRPr kumimoji="1" lang="ko-Kore-KR" altLang="en-US"/>
+          </a:p>
+        </p:txBody>
+      </p:sp>
+      <p:sp>
+        <p:nvSpPr>
+          <p:cNvPr id="15" name="TextBox 14">
+            <a:extLst>
+              <a:ext uri="{FF2B5EF4-FFF2-40B4-BE49-F238E27FC236}">
+                <a16:creationId xmlns:a16="http://schemas.microsoft.com/office/drawing/2014/main" id="{269609B8-EB80-590B-58CC-B0EF6FF9520F}"/>
+              </a:ext>
+            </a:extLst>
+          </p:cNvPr>
+          <p:cNvSpPr txBox="1"/>
+          <p:nvPr/>
+        </p:nvSpPr>
+        <p:spPr>
+          <a:xfrm>
+            <a:off x="915283" y="3916126"/>
+            <a:ext cx="2952000" cy="276999"/>
+          </a:xfrm>
+          <a:prstGeom prst="rect">
+            <a:avLst/>
+          </a:prstGeom>
+          <a:ln w="34925">
+            <a:solidFill>
+              <a:schemeClr val="accent6">
+                <a:lumMod val="40000"/>
+                <a:lumOff val="60000"/>
+              </a:schemeClr>
+            </a:solidFill>
+          </a:ln>
+        </p:spPr>
+        <p:style>
+          <a:lnRef idx="2">
+            <a:schemeClr val="accent5"/>
+          </a:lnRef>
+          <a:fillRef idx="1">
+            <a:schemeClr val="lt1"/>
+          </a:fillRef>
+          <a:effectRef idx="0">
+            <a:schemeClr val="accent5"/>
+          </a:effectRef>
+          <a:fontRef idx="minor">
+            <a:schemeClr val="dk1"/>
+          </a:fontRef>
+        </p:style>
+        <p:txBody>
+          <a:bodyPr wrap="square" rtlCol="0">
+            <a:spAutoFit/>
+          </a:bodyPr>
+          <a:lstStyle/>
+          <a:p>
+            <a:pPr algn="ctr"/>
+            <a:r>
+              <a:rPr kumimoji="1" lang="en-US" altLang="ko-Kore-KR" sz="1200" dirty="0"/>
+              <a:t>Table = entity</a:t>
+            </a:r>
+            <a:endParaRPr kumimoji="1" lang="ko-Kore-KR" altLang="en-US" sz="1200" dirty="0"/>
+          </a:p>
+        </p:txBody>
+      </p:sp>
+      <p:sp>
+        <p:nvSpPr>
+          <p:cNvPr id="13" name="TextBox 12">
+            <a:extLst>
+              <a:ext uri="{FF2B5EF4-FFF2-40B4-BE49-F238E27FC236}">
+                <a16:creationId xmlns:a16="http://schemas.microsoft.com/office/drawing/2014/main" id="{A71F74D7-23BD-DF6E-EF71-CF8D4CEEDE44}"/>
+              </a:ext>
+            </a:extLst>
+          </p:cNvPr>
+          <p:cNvSpPr txBox="1"/>
+          <p:nvPr/>
+        </p:nvSpPr>
+        <p:spPr>
+          <a:xfrm>
+            <a:off x="8208334" y="3290499"/>
+            <a:ext cx="2952000" cy="276999"/>
+          </a:xfrm>
+          <a:prstGeom prst="rect">
+            <a:avLst/>
+          </a:prstGeom>
+          <a:ln w="34925">
+            <a:solidFill>
+              <a:srgbClr val="4F94FF"/>
+            </a:solidFill>
+          </a:ln>
+        </p:spPr>
+        <p:style>
+          <a:lnRef idx="2">
+            <a:schemeClr val="accent5"/>
+          </a:lnRef>
+          <a:fillRef idx="1">
+            <a:schemeClr val="lt1"/>
+          </a:fillRef>
+          <a:effectRef idx="0">
+            <a:schemeClr val="accent5"/>
+          </a:effectRef>
+          <a:fontRef idx="minor">
+            <a:schemeClr val="dk1"/>
+          </a:fontRef>
+        </p:style>
+        <p:txBody>
+          <a:bodyPr wrap="square" rtlCol="0">
+            <a:spAutoFit/>
+          </a:bodyPr>
+          <a:lstStyle/>
+          <a:p>
+            <a:pPr algn="ctr"/>
+            <a:r>
+              <a:rPr kumimoji="1" lang="en-US" altLang="ko-Kore-KR" sz="1200" dirty="0"/>
+              <a:t>Row = record = “tuple＂</a:t>
+            </a:r>
+            <a:endParaRPr kumimoji="1" lang="ko-Kore-KR" altLang="en-US" sz="1200" dirty="0"/>
+          </a:p>
+        </p:txBody>
+      </p:sp>
     </p:spTree>
     <p:extLst>
       <p:ext uri="{BB962C8B-B14F-4D97-AF65-F5344CB8AC3E}">

--- a/study-note/자바/2022-08-29 내용정리.pptx
+++ b/study-note/자바/2022-08-29 내용정리.pptx
@@ -245,7 +245,7 @@
           <a:p>
             <a:fld id="{F526C2EA-361D-406E-8534-6CB21787882E}" type="datetimeFigureOut">
               <a:rPr lang="ko-KR" altLang="en-US" smtClean="0"/>
-              <a:t>2022. 8. 29.</a:t>
+              <a:t>2022. 8. 30.</a:t>
             </a:fld>
             <a:endParaRPr lang="ko-KR" altLang="en-US"/>
           </a:p>
@@ -659,7 +659,7 @@
           <a:p>
             <a:fld id="{E429DD96-549C-4464-A555-B392FBD40474}" type="datetimeFigureOut">
               <a:rPr lang="ko-KR" altLang="en-US" smtClean="0"/>
-              <a:t>2022. 8. 29.</a:t>
+              <a:t>2022. 8. 30.</a:t>
             </a:fld>
             <a:endParaRPr lang="ko-KR" altLang="en-US"/>
           </a:p>
@@ -857,7 +857,7 @@
           <a:p>
             <a:fld id="{E429DD96-549C-4464-A555-B392FBD40474}" type="datetimeFigureOut">
               <a:rPr lang="ko-KR" altLang="en-US" smtClean="0"/>
-              <a:t>2022. 8. 29.</a:t>
+              <a:t>2022. 8. 30.</a:t>
             </a:fld>
             <a:endParaRPr lang="ko-KR" altLang="en-US"/>
           </a:p>
@@ -1065,7 +1065,7 @@
           <a:p>
             <a:fld id="{E429DD96-549C-4464-A555-B392FBD40474}" type="datetimeFigureOut">
               <a:rPr lang="ko-KR" altLang="en-US" smtClean="0"/>
-              <a:t>2022. 8. 29.</a:t>
+              <a:t>2022. 8. 30.</a:t>
             </a:fld>
             <a:endParaRPr lang="ko-KR" altLang="en-US"/>
           </a:p>
@@ -1263,7 +1263,7 @@
           <a:p>
             <a:fld id="{E429DD96-549C-4464-A555-B392FBD40474}" type="datetimeFigureOut">
               <a:rPr lang="ko-KR" altLang="en-US" smtClean="0"/>
-              <a:t>2022. 8. 29.</a:t>
+              <a:t>2022. 8. 30.</a:t>
             </a:fld>
             <a:endParaRPr lang="ko-KR" altLang="en-US"/>
           </a:p>
@@ -1538,7 +1538,7 @@
           <a:p>
             <a:fld id="{E429DD96-549C-4464-A555-B392FBD40474}" type="datetimeFigureOut">
               <a:rPr lang="ko-KR" altLang="en-US" smtClean="0"/>
-              <a:t>2022. 8. 29.</a:t>
+              <a:t>2022. 8. 30.</a:t>
             </a:fld>
             <a:endParaRPr lang="ko-KR" altLang="en-US"/>
           </a:p>
@@ -1803,7 +1803,7 @@
           <a:p>
             <a:fld id="{E429DD96-549C-4464-A555-B392FBD40474}" type="datetimeFigureOut">
               <a:rPr lang="ko-KR" altLang="en-US" smtClean="0"/>
-              <a:t>2022. 8. 29.</a:t>
+              <a:t>2022. 8. 30.</a:t>
             </a:fld>
             <a:endParaRPr lang="ko-KR" altLang="en-US"/>
           </a:p>
@@ -2215,7 +2215,7 @@
           <a:p>
             <a:fld id="{E429DD96-549C-4464-A555-B392FBD40474}" type="datetimeFigureOut">
               <a:rPr lang="ko-KR" altLang="en-US" smtClean="0"/>
-              <a:t>2022. 8. 29.</a:t>
+              <a:t>2022. 8. 30.</a:t>
             </a:fld>
             <a:endParaRPr lang="ko-KR" altLang="en-US"/>
           </a:p>
@@ -2356,7 +2356,7 @@
           <a:p>
             <a:fld id="{E429DD96-549C-4464-A555-B392FBD40474}" type="datetimeFigureOut">
               <a:rPr lang="ko-KR" altLang="en-US" smtClean="0"/>
-              <a:t>2022. 8. 29.</a:t>
+              <a:t>2022. 8. 30.</a:t>
             </a:fld>
             <a:endParaRPr lang="ko-KR" altLang="en-US"/>
           </a:p>
@@ -2469,7 +2469,7 @@
           <a:p>
             <a:fld id="{E429DD96-549C-4464-A555-B392FBD40474}" type="datetimeFigureOut">
               <a:rPr lang="ko-KR" altLang="en-US" smtClean="0"/>
-              <a:t>2022. 8. 29.</a:t>
+              <a:t>2022. 8. 30.</a:t>
             </a:fld>
             <a:endParaRPr lang="ko-KR" altLang="en-US"/>
           </a:p>
@@ -2780,7 +2780,7 @@
           <a:p>
             <a:fld id="{E429DD96-549C-4464-A555-B392FBD40474}" type="datetimeFigureOut">
               <a:rPr lang="ko-KR" altLang="en-US" smtClean="0"/>
-              <a:t>2022. 8. 29.</a:t>
+              <a:t>2022. 8. 30.</a:t>
             </a:fld>
             <a:endParaRPr lang="ko-KR" altLang="en-US"/>
           </a:p>
@@ -3068,7 +3068,7 @@
           <a:p>
             <a:fld id="{E429DD96-549C-4464-A555-B392FBD40474}" type="datetimeFigureOut">
               <a:rPr lang="ko-KR" altLang="en-US" smtClean="0"/>
-              <a:t>2022. 8. 29.</a:t>
+              <a:t>2022. 8. 30.</a:t>
             </a:fld>
             <a:endParaRPr lang="ko-KR" altLang="en-US"/>
           </a:p>
@@ -3309,7 +3309,7 @@
           <a:p>
             <a:fld id="{E429DD96-549C-4464-A555-B392FBD40474}" type="datetimeFigureOut">
               <a:rPr lang="ko-KR" altLang="en-US" smtClean="0"/>
-              <a:t>2022. 8. 29.</a:t>
+              <a:t>2022. 8. 30.</a:t>
             </a:fld>
             <a:endParaRPr lang="ko-KR" altLang="en-US"/>
           </a:p>
@@ -9576,7 +9576,7 @@
         </p:nvSpPr>
         <p:spPr>
           <a:xfrm>
-            <a:off x="5532476" y="2369966"/>
+            <a:off x="5617536" y="1102240"/>
             <a:ext cx="4068726" cy="776162"/>
           </a:xfrm>
           <a:prstGeom prst="mathMultiply">
